--- a/Presentation/Progress Standup - Alireza Alizadegan.pptx
+++ b/Presentation/Progress Standup - Alireza Alizadegan.pptx
@@ -1846,6 +1846,13 @@
         </dgm:presLayoutVars>
       </dgm:prSet>
       <dgm:spPr/>
+      <dgm:t>
+        <a:bodyPr/>
+        <a:lstStyle/>
+        <a:p>
+          <a:endParaRPr lang="en-US"/>
+        </a:p>
+      </dgm:t>
     </dgm:pt>
     <dgm:pt modelId="{B37142B1-0B0D-4E46-9DC5-019D4812BED9}" type="pres">
       <dgm:prSet presAssocID="{DD918F72-734F-4ADA-AE5C-AE6D9C55C99D}" presName="root" presStyleCnt="0"/>
@@ -1858,10 +1865,24 @@
     <dgm:pt modelId="{45DC7DC2-BA49-4308-B00D-E637E99D8B45}" type="pres">
       <dgm:prSet presAssocID="{DD918F72-734F-4ADA-AE5C-AE6D9C55C99D}" presName="rootText" presStyleLbl="node1" presStyleIdx="0" presStyleCnt="1"/>
       <dgm:spPr/>
+      <dgm:t>
+        <a:bodyPr/>
+        <a:lstStyle/>
+        <a:p>
+          <a:endParaRPr lang="en-US"/>
+        </a:p>
+      </dgm:t>
     </dgm:pt>
     <dgm:pt modelId="{8B1877F2-8480-49E1-AC4B-DBBEB51A83D1}" type="pres">
       <dgm:prSet presAssocID="{DD918F72-734F-4ADA-AE5C-AE6D9C55C99D}" presName="rootConnector" presStyleLbl="node1" presStyleIdx="0" presStyleCnt="1"/>
       <dgm:spPr/>
+      <dgm:t>
+        <a:bodyPr/>
+        <a:lstStyle/>
+        <a:p>
+          <a:endParaRPr lang="en-US"/>
+        </a:p>
+      </dgm:t>
     </dgm:pt>
     <dgm:pt modelId="{F7EEE3FE-7500-4C77-A11D-7F794A4D816C}" type="pres">
       <dgm:prSet presAssocID="{DD918F72-734F-4ADA-AE5C-AE6D9C55C99D}" presName="childShape" presStyleCnt="0"/>
@@ -1870,6 +1891,13 @@
     <dgm:pt modelId="{54D56D2E-8E12-4895-947A-9822DEE3D288}" type="pres">
       <dgm:prSet presAssocID="{F52AABE0-E20D-448D-B074-6ACD2018F02D}" presName="Name13" presStyleLbl="parChTrans1D2" presStyleIdx="0" presStyleCnt="4"/>
       <dgm:spPr/>
+      <dgm:t>
+        <a:bodyPr/>
+        <a:lstStyle/>
+        <a:p>
+          <a:endParaRPr lang="en-US"/>
+        </a:p>
+      </dgm:t>
     </dgm:pt>
     <dgm:pt modelId="{849C331C-5049-4D42-8947-F16B9A5F1014}" type="pres">
       <dgm:prSet presAssocID="{BED9EB3C-5DFC-413F-9CDC-8E0B3EF3CAE1}" presName="childText" presStyleLbl="bgAcc1" presStyleIdx="0" presStyleCnt="4">
@@ -1889,6 +1917,13 @@
     <dgm:pt modelId="{8EA7531C-5A42-446B-8CD8-3115B20CBBB9}" type="pres">
       <dgm:prSet presAssocID="{45C06E96-D77E-4BE3-B927-35077EC08439}" presName="Name13" presStyleLbl="parChTrans1D2" presStyleIdx="1" presStyleCnt="4"/>
       <dgm:spPr/>
+      <dgm:t>
+        <a:bodyPr/>
+        <a:lstStyle/>
+        <a:p>
+          <a:endParaRPr lang="en-US"/>
+        </a:p>
+      </dgm:t>
     </dgm:pt>
     <dgm:pt modelId="{FDD56BFB-BC31-4420-978A-9B6DAB1D377E}" type="pres">
       <dgm:prSet presAssocID="{2A385414-CC5A-49C5-B96F-211F892E4E10}" presName="childText" presStyleLbl="bgAcc1" presStyleIdx="1" presStyleCnt="4">
@@ -1908,6 +1943,13 @@
     <dgm:pt modelId="{A5D4FCDF-1FEC-47ED-9988-DA063C0F8391}" type="pres">
       <dgm:prSet presAssocID="{3A653EC9-B193-4D1F-92B0-21ED5AD17D9A}" presName="Name13" presStyleLbl="parChTrans1D2" presStyleIdx="2" presStyleCnt="4"/>
       <dgm:spPr/>
+      <dgm:t>
+        <a:bodyPr/>
+        <a:lstStyle/>
+        <a:p>
+          <a:endParaRPr lang="en-US"/>
+        </a:p>
+      </dgm:t>
     </dgm:pt>
     <dgm:pt modelId="{9794C38E-DDD3-43BA-ACB9-75FC2AB6946A}" type="pres">
       <dgm:prSet presAssocID="{4680565F-0DE6-4E17-8624-EC181CCD6975}" presName="childText" presStyleLbl="bgAcc1" presStyleIdx="2" presStyleCnt="4">
@@ -1927,6 +1969,13 @@
     <dgm:pt modelId="{C3A54FD1-341B-4C09-B7A6-41E51D47071B}" type="pres">
       <dgm:prSet presAssocID="{07380BCF-AA4D-4519-96A9-88D82BB3FA23}" presName="Name13" presStyleLbl="parChTrans1D2" presStyleIdx="3" presStyleCnt="4"/>
       <dgm:spPr/>
+      <dgm:t>
+        <a:bodyPr/>
+        <a:lstStyle/>
+        <a:p>
+          <a:endParaRPr lang="en-US"/>
+        </a:p>
+      </dgm:t>
     </dgm:pt>
     <dgm:pt modelId="{4E72FDE9-9D0B-426F-B83B-810FB58050AA}" type="pres">
       <dgm:prSet presAssocID="{CC9C9739-A938-4742-99BE-E08E75B3B66D}" presName="childText" presStyleLbl="bgAcc1" presStyleIdx="3" presStyleCnt="4">
@@ -1945,22 +1994,22 @@
     </dgm:pt>
   </dgm:ptLst>
   <dgm:cxnLst>
-    <dgm:cxn modelId="{9191459B-2C67-4C73-A7B4-AA8880578A6B}" type="presOf" srcId="{DD918F72-734F-4ADA-AE5C-AE6D9C55C99D}" destId="{8B1877F2-8480-49E1-AC4B-DBBEB51A83D1}" srcOrd="1" destOrd="0" presId="urn:microsoft.com/office/officeart/2005/8/layout/hierarchy3"/>
+    <dgm:cxn modelId="{1EAB5ABE-C307-4E51-BB9D-16720E450015}" type="presOf" srcId="{3A653EC9-B193-4D1F-92B0-21ED5AD17D9A}" destId="{A5D4FCDF-1FEC-47ED-9988-DA063C0F8391}" srcOrd="0" destOrd="0" presId="urn:microsoft.com/office/officeart/2005/8/layout/hierarchy3"/>
+    <dgm:cxn modelId="{5C0CFAC2-FD46-4E54-8EAB-5B508685C252}" type="presOf" srcId="{CC9C9739-A938-4742-99BE-E08E75B3B66D}" destId="{4E72FDE9-9D0B-426F-B83B-810FB58050AA}" srcOrd="0" destOrd="0" presId="urn:microsoft.com/office/officeart/2005/8/layout/hierarchy3"/>
     <dgm:cxn modelId="{7A2283EE-3549-4694-937E-12732ACE49B8}" srcId="{DD918F72-734F-4ADA-AE5C-AE6D9C55C99D}" destId="{CC9C9739-A938-4742-99BE-E08E75B3B66D}" srcOrd="3" destOrd="0" parTransId="{07380BCF-AA4D-4519-96A9-88D82BB3FA23}" sibTransId="{95C6660F-AF3C-496D-976F-EC2501FD05EA}"/>
-    <dgm:cxn modelId="{12790068-BEC1-41F6-B89B-19A14D4754DD}" srcId="{DD918F72-734F-4ADA-AE5C-AE6D9C55C99D}" destId="{4680565F-0DE6-4E17-8624-EC181CCD6975}" srcOrd="2" destOrd="0" parTransId="{3A653EC9-B193-4D1F-92B0-21ED5AD17D9A}" sibTransId="{3F132611-F188-436C-915F-C25ED681E90E}"/>
-    <dgm:cxn modelId="{00245406-9396-4D15-AF4E-85F5A30BE6A2}" type="presOf" srcId="{4680565F-0DE6-4E17-8624-EC181CCD6975}" destId="{9794C38E-DDD3-43BA-ACB9-75FC2AB6946A}" srcOrd="0" destOrd="0" presId="urn:microsoft.com/office/officeart/2005/8/layout/hierarchy3"/>
-    <dgm:cxn modelId="{9444B9F9-65D3-4A3F-AB82-02FD4100D1E0}" type="presOf" srcId="{45C06E96-D77E-4BE3-B927-35077EC08439}" destId="{8EA7531C-5A42-446B-8CD8-3115B20CBBB9}" srcOrd="0" destOrd="0" presId="urn:microsoft.com/office/officeart/2005/8/layout/hierarchy3"/>
-    <dgm:cxn modelId="{D88E247E-0908-4B54-B5A9-3C5B02811702}" type="presOf" srcId="{4DE647D6-BE27-43BF-B847-D65488AB80B8}" destId="{75FACCC7-F66E-4EB7-A3F8-072DB4809077}" srcOrd="0" destOrd="0" presId="urn:microsoft.com/office/officeart/2005/8/layout/hierarchy3"/>
-    <dgm:cxn modelId="{6F56FD25-A41B-42D8-8222-DEB1162D4A57}" type="presOf" srcId="{F52AABE0-E20D-448D-B074-6ACD2018F02D}" destId="{54D56D2E-8E12-4895-947A-9822DEE3D288}" srcOrd="0" destOrd="0" presId="urn:microsoft.com/office/officeart/2005/8/layout/hierarchy3"/>
-    <dgm:cxn modelId="{1EAB5ABE-C307-4E51-BB9D-16720E450015}" type="presOf" srcId="{3A653EC9-B193-4D1F-92B0-21ED5AD17D9A}" destId="{A5D4FCDF-1FEC-47ED-9988-DA063C0F8391}" srcOrd="0" destOrd="0" presId="urn:microsoft.com/office/officeart/2005/8/layout/hierarchy3"/>
     <dgm:cxn modelId="{F22DA075-DBA4-4B38-B3BB-F9A274818FBF}" type="presOf" srcId="{2A385414-CC5A-49C5-B96F-211F892E4E10}" destId="{FDD56BFB-BC31-4420-978A-9B6DAB1D377E}" srcOrd="0" destOrd="0" presId="urn:microsoft.com/office/officeart/2005/8/layout/hierarchy3"/>
     <dgm:cxn modelId="{C4D48D37-D800-4AA5-8AC1-F48B9488A9E3}" srcId="{4DE647D6-BE27-43BF-B847-D65488AB80B8}" destId="{DD918F72-734F-4ADA-AE5C-AE6D9C55C99D}" srcOrd="0" destOrd="0" parTransId="{B09B69AC-5A81-49EF-9546-F4434572C9B6}" sibTransId="{C897677D-6AFE-49ED-98AF-562CCF47BA20}"/>
     <dgm:cxn modelId="{0F45C239-2261-4591-B5B5-3E077B36A63F}" type="presOf" srcId="{BED9EB3C-5DFC-413F-9CDC-8E0B3EF3CAE1}" destId="{849C331C-5049-4D42-8947-F16B9A5F1014}" srcOrd="0" destOrd="0" presId="urn:microsoft.com/office/officeart/2005/8/layout/hierarchy3"/>
+    <dgm:cxn modelId="{D88E247E-0908-4B54-B5A9-3C5B02811702}" type="presOf" srcId="{4DE647D6-BE27-43BF-B847-D65488AB80B8}" destId="{75FACCC7-F66E-4EB7-A3F8-072DB4809077}" srcOrd="0" destOrd="0" presId="urn:microsoft.com/office/officeart/2005/8/layout/hierarchy3"/>
+    <dgm:cxn modelId="{12790068-BEC1-41F6-B89B-19A14D4754DD}" srcId="{DD918F72-734F-4ADA-AE5C-AE6D9C55C99D}" destId="{4680565F-0DE6-4E17-8624-EC181CCD6975}" srcOrd="2" destOrd="0" parTransId="{3A653EC9-B193-4D1F-92B0-21ED5AD17D9A}" sibTransId="{3F132611-F188-436C-915F-C25ED681E90E}"/>
+    <dgm:cxn modelId="{2E81A6A5-3D25-428B-8CFE-F24F6EA00694}" srcId="{DD918F72-734F-4ADA-AE5C-AE6D9C55C99D}" destId="{2A385414-CC5A-49C5-B96F-211F892E4E10}" srcOrd="1" destOrd="0" parTransId="{45C06E96-D77E-4BE3-B927-35077EC08439}" sibTransId="{2F49F4DF-7AB6-4498-B2AD-96ED54212885}"/>
+    <dgm:cxn modelId="{9191459B-2C67-4C73-A7B4-AA8880578A6B}" type="presOf" srcId="{DD918F72-734F-4ADA-AE5C-AE6D9C55C99D}" destId="{8B1877F2-8480-49E1-AC4B-DBBEB51A83D1}" srcOrd="1" destOrd="0" presId="urn:microsoft.com/office/officeart/2005/8/layout/hierarchy3"/>
+    <dgm:cxn modelId="{6F56FD25-A41B-42D8-8222-DEB1162D4A57}" type="presOf" srcId="{F52AABE0-E20D-448D-B074-6ACD2018F02D}" destId="{54D56D2E-8E12-4895-947A-9822DEE3D288}" srcOrd="0" destOrd="0" presId="urn:microsoft.com/office/officeart/2005/8/layout/hierarchy3"/>
+    <dgm:cxn modelId="{91FD675D-2673-435E-852B-9B7AF4CB3B45}" type="presOf" srcId="{DD918F72-734F-4ADA-AE5C-AE6D9C55C99D}" destId="{45DC7DC2-BA49-4308-B00D-E637E99D8B45}" srcOrd="0" destOrd="0" presId="urn:microsoft.com/office/officeart/2005/8/layout/hierarchy3"/>
+    <dgm:cxn modelId="{9444B9F9-65D3-4A3F-AB82-02FD4100D1E0}" type="presOf" srcId="{45C06E96-D77E-4BE3-B927-35077EC08439}" destId="{8EA7531C-5A42-446B-8CD8-3115B20CBBB9}" srcOrd="0" destOrd="0" presId="urn:microsoft.com/office/officeart/2005/8/layout/hierarchy3"/>
+    <dgm:cxn modelId="{88EF3CDC-94EC-49A6-96D7-29C56FE978C5}" type="presOf" srcId="{07380BCF-AA4D-4519-96A9-88D82BB3FA23}" destId="{C3A54FD1-341B-4C09-B7A6-41E51D47071B}" srcOrd="0" destOrd="0" presId="urn:microsoft.com/office/officeart/2005/8/layout/hierarchy3"/>
     <dgm:cxn modelId="{27C47A0D-F4D0-43D4-8849-79211E8AD695}" srcId="{DD918F72-734F-4ADA-AE5C-AE6D9C55C99D}" destId="{BED9EB3C-5DFC-413F-9CDC-8E0B3EF3CAE1}" srcOrd="0" destOrd="0" parTransId="{F52AABE0-E20D-448D-B074-6ACD2018F02D}" sibTransId="{DC3328D2-A3DE-4CDD-84D7-74C199941DF9}"/>
-    <dgm:cxn modelId="{5C0CFAC2-FD46-4E54-8EAB-5B508685C252}" type="presOf" srcId="{CC9C9739-A938-4742-99BE-E08E75B3B66D}" destId="{4E72FDE9-9D0B-426F-B83B-810FB58050AA}" srcOrd="0" destOrd="0" presId="urn:microsoft.com/office/officeart/2005/8/layout/hierarchy3"/>
-    <dgm:cxn modelId="{2E81A6A5-3D25-428B-8CFE-F24F6EA00694}" srcId="{DD918F72-734F-4ADA-AE5C-AE6D9C55C99D}" destId="{2A385414-CC5A-49C5-B96F-211F892E4E10}" srcOrd="1" destOrd="0" parTransId="{45C06E96-D77E-4BE3-B927-35077EC08439}" sibTransId="{2F49F4DF-7AB6-4498-B2AD-96ED54212885}"/>
-    <dgm:cxn modelId="{91FD675D-2673-435E-852B-9B7AF4CB3B45}" type="presOf" srcId="{DD918F72-734F-4ADA-AE5C-AE6D9C55C99D}" destId="{45DC7DC2-BA49-4308-B00D-E637E99D8B45}" srcOrd="0" destOrd="0" presId="urn:microsoft.com/office/officeart/2005/8/layout/hierarchy3"/>
-    <dgm:cxn modelId="{88EF3CDC-94EC-49A6-96D7-29C56FE978C5}" type="presOf" srcId="{07380BCF-AA4D-4519-96A9-88D82BB3FA23}" destId="{C3A54FD1-341B-4C09-B7A6-41E51D47071B}" srcOrd="0" destOrd="0" presId="urn:microsoft.com/office/officeart/2005/8/layout/hierarchy3"/>
+    <dgm:cxn modelId="{00245406-9396-4D15-AF4E-85F5A30BE6A2}" type="presOf" srcId="{4680565F-0DE6-4E17-8624-EC181CCD6975}" destId="{9794C38E-DDD3-43BA-ACB9-75FC2AB6946A}" srcOrd="0" destOrd="0" presId="urn:microsoft.com/office/officeart/2005/8/layout/hierarchy3"/>
     <dgm:cxn modelId="{51684438-2F8C-47C8-AAFF-450BB1EA35F1}" type="presParOf" srcId="{75FACCC7-F66E-4EB7-A3F8-072DB4809077}" destId="{B37142B1-0B0D-4E46-9DC5-019D4812BED9}" srcOrd="0" destOrd="0" presId="urn:microsoft.com/office/officeart/2005/8/layout/hierarchy3"/>
     <dgm:cxn modelId="{2F6D598F-6F25-4C22-BD0E-EFB12CA7FE75}" type="presParOf" srcId="{B37142B1-0B0D-4E46-9DC5-019D4812BED9}" destId="{5F35ED18-7422-4946-836E-C21E33BEB59F}" srcOrd="0" destOrd="0" presId="urn:microsoft.com/office/officeart/2005/8/layout/hierarchy3"/>
     <dgm:cxn modelId="{C9179DEE-A579-4D3A-B0B1-3788200460A3}" type="presParOf" srcId="{5F35ED18-7422-4946-836E-C21E33BEB59F}" destId="{45DC7DC2-BA49-4308-B00D-E637E99D8B45}" srcOrd="0" destOrd="0" presId="urn:microsoft.com/office/officeart/2005/8/layout/hierarchy3"/>
@@ -2191,6 +2240,13 @@
         </dgm:presLayoutVars>
       </dgm:prSet>
       <dgm:spPr/>
+      <dgm:t>
+        <a:bodyPr/>
+        <a:lstStyle/>
+        <a:p>
+          <a:endParaRPr lang="en-US"/>
+        </a:p>
+      </dgm:t>
     </dgm:pt>
     <dgm:pt modelId="{B37142B1-0B0D-4E46-9DC5-019D4812BED9}" type="pres">
       <dgm:prSet presAssocID="{DD918F72-734F-4ADA-AE5C-AE6D9C55C99D}" presName="root" presStyleCnt="0"/>
@@ -2214,6 +2270,13 @@
     <dgm:pt modelId="{8B1877F2-8480-49E1-AC4B-DBBEB51A83D1}" type="pres">
       <dgm:prSet presAssocID="{DD918F72-734F-4ADA-AE5C-AE6D9C55C99D}" presName="rootConnector" presStyleLbl="node1" presStyleIdx="0" presStyleCnt="1"/>
       <dgm:spPr/>
+      <dgm:t>
+        <a:bodyPr/>
+        <a:lstStyle/>
+        <a:p>
+          <a:endParaRPr lang="en-US"/>
+        </a:p>
+      </dgm:t>
     </dgm:pt>
     <dgm:pt modelId="{F7EEE3FE-7500-4C77-A11D-7F794A4D816C}" type="pres">
       <dgm:prSet presAssocID="{DD918F72-734F-4ADA-AE5C-AE6D9C55C99D}" presName="childShape" presStyleCnt="0"/>
@@ -2222,6 +2285,13 @@
     <dgm:pt modelId="{54D56D2E-8E12-4895-947A-9822DEE3D288}" type="pres">
       <dgm:prSet presAssocID="{F52AABE0-E20D-448D-B074-6ACD2018F02D}" presName="Name13" presStyleLbl="parChTrans1D2" presStyleIdx="0" presStyleCnt="4"/>
       <dgm:spPr/>
+      <dgm:t>
+        <a:bodyPr/>
+        <a:lstStyle/>
+        <a:p>
+          <a:endParaRPr lang="en-US"/>
+        </a:p>
+      </dgm:t>
     </dgm:pt>
     <dgm:pt modelId="{849C331C-5049-4D42-8947-F16B9A5F1014}" type="pres">
       <dgm:prSet presAssocID="{BED9EB3C-5DFC-413F-9CDC-8E0B3EF3CAE1}" presName="childText" presStyleLbl="bgAcc1" presStyleIdx="0" presStyleCnt="4">
@@ -2241,6 +2311,13 @@
     <dgm:pt modelId="{8EA7531C-5A42-446B-8CD8-3115B20CBBB9}" type="pres">
       <dgm:prSet presAssocID="{45C06E96-D77E-4BE3-B927-35077EC08439}" presName="Name13" presStyleLbl="parChTrans1D2" presStyleIdx="1" presStyleCnt="4"/>
       <dgm:spPr/>
+      <dgm:t>
+        <a:bodyPr/>
+        <a:lstStyle/>
+        <a:p>
+          <a:endParaRPr lang="en-US"/>
+        </a:p>
+      </dgm:t>
     </dgm:pt>
     <dgm:pt modelId="{FDD56BFB-BC31-4420-978A-9B6DAB1D377E}" type="pres">
       <dgm:prSet presAssocID="{2A385414-CC5A-49C5-B96F-211F892E4E10}" presName="childText" presStyleLbl="bgAcc1" presStyleIdx="1" presStyleCnt="4">
@@ -2260,6 +2337,13 @@
     <dgm:pt modelId="{A5D4FCDF-1FEC-47ED-9988-DA063C0F8391}" type="pres">
       <dgm:prSet presAssocID="{3A653EC9-B193-4D1F-92B0-21ED5AD17D9A}" presName="Name13" presStyleLbl="parChTrans1D2" presStyleIdx="2" presStyleCnt="4"/>
       <dgm:spPr/>
+      <dgm:t>
+        <a:bodyPr/>
+        <a:lstStyle/>
+        <a:p>
+          <a:endParaRPr lang="en-US"/>
+        </a:p>
+      </dgm:t>
     </dgm:pt>
     <dgm:pt modelId="{9794C38E-DDD3-43BA-ACB9-75FC2AB6946A}" type="pres">
       <dgm:prSet presAssocID="{4680565F-0DE6-4E17-8624-EC181CCD6975}" presName="childText" presStyleLbl="bgAcc1" presStyleIdx="2" presStyleCnt="4">
@@ -2279,6 +2363,13 @@
     <dgm:pt modelId="{C3A54FD1-341B-4C09-B7A6-41E51D47071B}" type="pres">
       <dgm:prSet presAssocID="{07380BCF-AA4D-4519-96A9-88D82BB3FA23}" presName="Name13" presStyleLbl="parChTrans1D2" presStyleIdx="3" presStyleCnt="4"/>
       <dgm:spPr/>
+      <dgm:t>
+        <a:bodyPr/>
+        <a:lstStyle/>
+        <a:p>
+          <a:endParaRPr lang="en-US"/>
+        </a:p>
+      </dgm:t>
     </dgm:pt>
     <dgm:pt modelId="{4E72FDE9-9D0B-426F-B83B-810FB58050AA}" type="pres">
       <dgm:prSet presAssocID="{CC9C9739-A938-4742-99BE-E08E75B3B66D}" presName="childText" presStyleLbl="bgAcc1" presStyleIdx="3" presStyleCnt="4">
@@ -2307,8 +2398,8 @@
     <dgm:cxn modelId="{00245406-9396-4D15-AF4E-85F5A30BE6A2}" type="presOf" srcId="{4680565F-0DE6-4E17-8624-EC181CCD6975}" destId="{9794C38E-DDD3-43BA-ACB9-75FC2AB6946A}" srcOrd="0" destOrd="0" presId="urn:microsoft.com/office/officeart/2005/8/layout/hierarchy3"/>
     <dgm:cxn modelId="{27C47A0D-F4D0-43D4-8849-79211E8AD695}" srcId="{DD918F72-734F-4ADA-AE5C-AE6D9C55C99D}" destId="{BED9EB3C-5DFC-413F-9CDC-8E0B3EF3CAE1}" srcOrd="0" destOrd="0" parTransId="{F52AABE0-E20D-448D-B074-6ACD2018F02D}" sibTransId="{DC3328D2-A3DE-4CDD-84D7-74C199941DF9}"/>
     <dgm:cxn modelId="{5C0CFAC2-FD46-4E54-8EAB-5B508685C252}" type="presOf" srcId="{CC9C9739-A938-4742-99BE-E08E75B3B66D}" destId="{4E72FDE9-9D0B-426F-B83B-810FB58050AA}" srcOrd="0" destOrd="0" presId="urn:microsoft.com/office/officeart/2005/8/layout/hierarchy3"/>
+    <dgm:cxn modelId="{7A2283EE-3549-4694-937E-12732ACE49B8}" srcId="{DD918F72-734F-4ADA-AE5C-AE6D9C55C99D}" destId="{CC9C9739-A938-4742-99BE-E08E75B3B66D}" srcOrd="3" destOrd="0" parTransId="{07380BCF-AA4D-4519-96A9-88D82BB3FA23}" sibTransId="{95C6660F-AF3C-496D-976F-EC2501FD05EA}"/>
     <dgm:cxn modelId="{9191459B-2C67-4C73-A7B4-AA8880578A6B}" type="presOf" srcId="{DD918F72-734F-4ADA-AE5C-AE6D9C55C99D}" destId="{8B1877F2-8480-49E1-AC4B-DBBEB51A83D1}" srcOrd="1" destOrd="0" presId="urn:microsoft.com/office/officeart/2005/8/layout/hierarchy3"/>
-    <dgm:cxn modelId="{7A2283EE-3549-4694-937E-12732ACE49B8}" srcId="{DD918F72-734F-4ADA-AE5C-AE6D9C55C99D}" destId="{CC9C9739-A938-4742-99BE-E08E75B3B66D}" srcOrd="3" destOrd="0" parTransId="{07380BCF-AA4D-4519-96A9-88D82BB3FA23}" sibTransId="{95C6660F-AF3C-496D-976F-EC2501FD05EA}"/>
     <dgm:cxn modelId="{0F45C239-2261-4591-B5B5-3E077B36A63F}" type="presOf" srcId="{BED9EB3C-5DFC-413F-9CDC-8E0B3EF3CAE1}" destId="{849C331C-5049-4D42-8947-F16B9A5F1014}" srcOrd="0" destOrd="0" presId="urn:microsoft.com/office/officeart/2005/8/layout/hierarchy3"/>
     <dgm:cxn modelId="{91FD675D-2673-435E-852B-9B7AF4CB3B45}" type="presOf" srcId="{DD918F72-734F-4ADA-AE5C-AE6D9C55C99D}" destId="{45DC7DC2-BA49-4308-B00D-E637E99D8B45}" srcOrd="0" destOrd="0" presId="urn:microsoft.com/office/officeart/2005/8/layout/hierarchy3"/>
     <dgm:cxn modelId="{9444B9F9-65D3-4A3F-AB82-02FD4100D1E0}" type="presOf" srcId="{45C06E96-D77E-4BE3-B927-35077EC08439}" destId="{8EA7531C-5A42-446B-8CD8-3115B20CBBB9}" srcOrd="0" destOrd="0" presId="urn:microsoft.com/office/officeart/2005/8/layout/hierarchy3"/>
@@ -6337,7 +6428,7 @@
           <a:p>
             <a:fld id="{C8D18E60-4300-4729-A0D7-6AB984C3922D}" type="datetimeFigureOut">
               <a:rPr lang="en-US" smtClean="0"/>
-              <a:t>3/5/2020</a:t>
+              <a:t>3/8/2020</a:t>
             </a:fld>
             <a:endParaRPr lang="en-US"/>
           </a:p>
@@ -7099,7 +7190,7 @@
             <a:fld id="{53074F12-AA26-4AC8-9962-C36BB8F32554}" type="datetimeFigureOut">
               <a:rPr lang="en-US" smtClean="0"/>
               <a:pPr/>
-              <a:t>3/5/2020</a:t>
+              <a:t>3/8/2020</a:t>
             </a:fld>
             <a:endParaRPr lang="en-US"/>
           </a:p>
@@ -7353,7 +7444,7 @@
             <a:fld id="{53074F12-AA26-4AC8-9962-C36BB8F32554}" type="datetimeFigureOut">
               <a:rPr lang="en-US" smtClean="0"/>
               <a:pPr/>
-              <a:t>3/5/2020</a:t>
+              <a:t>3/8/2020</a:t>
             </a:fld>
             <a:endParaRPr lang="en-US"/>
           </a:p>
@@ -7523,7 +7614,7 @@
             <a:fld id="{53074F12-AA26-4AC8-9962-C36BB8F32554}" type="datetimeFigureOut">
               <a:rPr lang="en-US" smtClean="0"/>
               <a:pPr/>
-              <a:t>3/5/2020</a:t>
+              <a:t>3/8/2020</a:t>
             </a:fld>
             <a:endParaRPr lang="en-US"/>
           </a:p>
@@ -7703,7 +7794,7 @@
             <a:fld id="{53074F12-AA26-4AC8-9962-C36BB8F32554}" type="datetimeFigureOut">
               <a:rPr lang="en-US" smtClean="0"/>
               <a:pPr/>
-              <a:t>3/5/2020</a:t>
+              <a:t>3/8/2020</a:t>
             </a:fld>
             <a:endParaRPr lang="en-US"/>
           </a:p>
@@ -7985,7 +8076,7 @@
             <a:fld id="{53074F12-AA26-4AC8-9962-C36BB8F32554}" type="datetimeFigureOut">
               <a:rPr lang="en-US" smtClean="0"/>
               <a:pPr/>
-              <a:t>3/5/2020</a:t>
+              <a:t>3/8/2020</a:t>
             </a:fld>
             <a:endParaRPr lang="en-US"/>
           </a:p>
@@ -8232,7 +8323,7 @@
             <a:fld id="{53074F12-AA26-4AC8-9962-C36BB8F32554}" type="datetimeFigureOut">
               <a:rPr lang="en-US" smtClean="0"/>
               <a:pPr/>
-              <a:t>3/5/2020</a:t>
+              <a:t>3/8/2020</a:t>
             </a:fld>
             <a:endParaRPr lang="en-US"/>
           </a:p>
@@ -8479,7 +8570,7 @@
             <a:fld id="{53074F12-AA26-4AC8-9962-C36BB8F32554}" type="datetimeFigureOut">
               <a:rPr lang="en-US" smtClean="0"/>
               <a:pPr/>
-              <a:t>3/5/2020</a:t>
+              <a:t>3/8/2020</a:t>
             </a:fld>
             <a:endParaRPr lang="en-US"/>
           </a:p>
@@ -8766,7 +8857,7 @@
             <a:fld id="{53074F12-AA26-4AC8-9962-C36BB8F32554}" type="datetimeFigureOut">
               <a:rPr lang="en-US" smtClean="0"/>
               <a:pPr/>
-              <a:t>3/5/2020</a:t>
+              <a:t>3/8/2020</a:t>
             </a:fld>
             <a:endParaRPr lang="en-US"/>
           </a:p>
@@ -9253,7 +9344,7 @@
             <a:fld id="{53074F12-AA26-4AC8-9962-C36BB8F32554}" type="datetimeFigureOut">
               <a:rPr lang="en-US" smtClean="0"/>
               <a:pPr/>
-              <a:t>3/5/2020</a:t>
+              <a:t>3/8/2020</a:t>
             </a:fld>
             <a:endParaRPr lang="en-US"/>
           </a:p>
@@ -9372,7 +9463,7 @@
             <a:fld id="{53074F12-AA26-4AC8-9962-C36BB8F32554}" type="datetimeFigureOut">
               <a:rPr lang="en-US" smtClean="0"/>
               <a:pPr/>
-              <a:t>3/5/2020</a:t>
+              <a:t>3/8/2020</a:t>
             </a:fld>
             <a:endParaRPr lang="en-US"/>
           </a:p>
@@ -9469,7 +9560,7 @@
             <a:fld id="{53074F12-AA26-4AC8-9962-C36BB8F32554}" type="datetimeFigureOut">
               <a:rPr lang="en-US" smtClean="0"/>
               <a:pPr/>
-              <a:t>3/5/2020</a:t>
+              <a:t>3/8/2020</a:t>
             </a:fld>
             <a:endParaRPr lang="en-US"/>
           </a:p>
@@ -9746,7 +9837,7 @@
             <a:fld id="{53074F12-AA26-4AC8-9962-C36BB8F32554}" type="datetimeFigureOut">
               <a:rPr lang="en-US" smtClean="0"/>
               <a:pPr/>
-              <a:t>3/5/2020</a:t>
+              <a:t>3/8/2020</a:t>
             </a:fld>
             <a:endParaRPr lang="en-US"/>
           </a:p>
@@ -9968,7 +10059,7 @@
             <a:fld id="{53074F12-AA26-4AC8-9962-C36BB8F32554}" type="datetimeFigureOut">
               <a:rPr lang="en-US" smtClean="0"/>
               <a:pPr/>
-              <a:t>3/5/2020</a:t>
+              <a:t>3/8/2020</a:t>
             </a:fld>
             <a:endParaRPr lang="en-US"/>
           </a:p>
@@ -11793,11 +11884,7 @@
           <a:p>
             <a:r>
               <a:rPr lang="en-US" dirty="0" smtClean="0"/>
-              <a:t>Increase accuracy of life time value </a:t>
-            </a:r>
-            <a:r>
-              <a:rPr lang="en-US" dirty="0" smtClean="0"/>
-              <a:t>predictions</a:t>
+              <a:t>Increase accuracy of life time value predictions</a:t>
             </a:r>
           </a:p>
           <a:p>
@@ -15348,13 +15435,8 @@
           <a:p>
             <a:r>
               <a:rPr lang="en-US" b="1" dirty="0" smtClean="0"/>
-              <a:t>Data </a:t>
-            </a:r>
-            <a:r>
-              <a:rPr lang="en-US" b="1" dirty="0" smtClean="0"/>
-              <a:t>Cleaning </a:t>
-            </a:r>
-            <a:endParaRPr lang="en-US" b="1" dirty="0" smtClean="0"/>
+              <a:t>Data Cleaning </a:t>
+            </a:r>
           </a:p>
           <a:p>
             <a:pPr marL="285750" indent="-285750">
@@ -15414,7 +15496,6 @@
               <a:rPr lang="en-US" dirty="0" smtClean="0"/>
               <a:t>columns</a:t>
             </a:r>
-            <a:endParaRPr lang="en-US" dirty="0" smtClean="0"/>
           </a:p>
         </p:txBody>
       </p:sp>
